--- a/Custom_Shell_Elia_Matthew.pptx
+++ b/Custom_Shell_Elia_Matthew.pptx
@@ -12545,8 +12545,8 @@
           <a:lstStyle/>
           <a:p>
             <a:r>
-              <a:rPr lang="de-CH" dirty="0"/>
-              <a:t>Goal</a:t>
+              <a:rPr lang="en-US" noProof="0" dirty="0"/>
+              <a:t>Result</a:t>
             </a:r>
           </a:p>
         </p:txBody>
@@ -12588,26 +12588,17 @@
               <a:t> </a:t>
             </a:r>
             <a:r>
-              <a:rPr lang="de-CH" dirty="0" err="1"/>
-              <a:t>directory</a:t>
+              <a:rPr lang="en-US" dirty="0"/>
+              <a:t>D</a:t>
+            </a:r>
+            <a:r>
+              <a:rPr lang="en-US" noProof="0" dirty="0" err="1"/>
+              <a:t>irectory</a:t>
             </a:r>
             <a:r>
               <a:rPr lang="de-CH" dirty="0"/>
-              <a:t> </a:t>
-            </a:r>
-            <a:r>
-              <a:rPr lang="de-CH" dirty="0" err="1"/>
-              <a:t>navigation</a:t>
-            </a:r>
-            <a:r>
-              <a:rPr lang="de-CH" dirty="0"/>
-              <a:t> and </a:t>
-            </a:r>
-            <a:r>
-              <a:rPr lang="de-CH" dirty="0" err="1"/>
-              <a:t>manipulation</a:t>
-            </a:r>
-            <a:endParaRPr lang="de-CH" dirty="0"/>
+              <a:t> Navigation and Manipulation</a:t>
+            </a:r>
           </a:p>
           <a:p>
             <a:pPr lvl="1"/>
@@ -12807,7 +12798,7 @@
           <a:lstStyle/>
           <a:p>
             <a:r>
-              <a:rPr lang="de-CH" dirty="0" err="1"/>
+              <a:rPr lang="en-GB" dirty="0"/>
               <a:t>What</a:t>
             </a:r>
             <a:r>
@@ -12815,8 +12806,65 @@
               <a:t> </a:t>
             </a:r>
             <a:r>
+              <a:rPr lang="en-US" dirty="0"/>
+              <a:t>is</a:t>
+            </a:r>
+            <a:r>
+              <a:rPr lang="de-CH" dirty="0"/>
+              <a:t> Alpine?</a:t>
+            </a:r>
+          </a:p>
+          <a:p>
+            <a:pPr lvl="1"/>
+            <a:r>
+              <a:rPr lang="de-CH" dirty="0"/>
+              <a:t>Linux Distribution, Focus on Security, </a:t>
+            </a:r>
+            <a:r>
+              <a:rPr lang="en-GB" dirty="0"/>
+              <a:t>Simplicity</a:t>
+            </a:r>
+            <a:r>
+              <a:rPr lang="de-CH" dirty="0"/>
+              <a:t>, </a:t>
+            </a:r>
+            <a:r>
+              <a:rPr lang="en-GB" dirty="0"/>
+              <a:t>Resource</a:t>
+            </a:r>
+            <a:r>
+              <a:rPr lang="de-CH" dirty="0"/>
+              <a:t> Efficiency</a:t>
+            </a:r>
+          </a:p>
+          <a:p>
+            <a:r>
               <a:rPr lang="de-CH" dirty="0" err="1"/>
-              <a:t>is</a:t>
+              <a:t>Why</a:t>
+            </a:r>
+            <a:r>
+              <a:rPr lang="de-CH" dirty="0"/>
+              <a:t> </a:t>
+            </a:r>
+            <a:r>
+              <a:rPr lang="de-CH" dirty="0" err="1"/>
+              <a:t>did</a:t>
+            </a:r>
+            <a:r>
+              <a:rPr lang="de-CH" dirty="0"/>
+              <a:t> </a:t>
+            </a:r>
+            <a:r>
+              <a:rPr lang="de-CH" dirty="0" err="1"/>
+              <a:t>we</a:t>
+            </a:r>
+            <a:r>
+              <a:rPr lang="de-CH" dirty="0"/>
+              <a:t> </a:t>
+            </a:r>
+            <a:r>
+              <a:rPr lang="de-CH" dirty="0" err="1"/>
+              <a:t>choose</a:t>
             </a:r>
             <a:r>
               <a:rPr lang="de-CH" dirty="0"/>
@@ -12827,49 +12875,29 @@
             <a:pPr lvl="1"/>
             <a:r>
               <a:rPr lang="de-CH" dirty="0" err="1"/>
-              <a:t>Sndopmsd</a:t>
-            </a:r>
-            <a:endParaRPr lang="de-CH" dirty="0"/>
-          </a:p>
-          <a:p>
-            <a:r>
-              <a:rPr lang="de-CH" dirty="0" err="1"/>
-              <a:t>Why</a:t>
+              <a:t>Resource</a:t>
             </a:r>
             <a:r>
               <a:rPr lang="de-CH" dirty="0"/>
-              <a:t> </a:t>
-            </a:r>
-            <a:r>
-              <a:rPr lang="de-CH" dirty="0" err="1"/>
-              <a:t>did</a:t>
-            </a:r>
+              <a:t> Efficiency</a:t>
+            </a:r>
+          </a:p>
+          <a:p>
+            <a:pPr lvl="1"/>
             <a:r>
               <a:rPr lang="de-CH" dirty="0"/>
-              <a:t> </a:t>
-            </a:r>
-            <a:r>
-              <a:rPr lang="de-CH" dirty="0" err="1"/>
-              <a:t>we</a:t>
-            </a:r>
+              <a:t>Fast Setup</a:t>
+            </a:r>
+          </a:p>
+          <a:p>
+            <a:pPr lvl="1"/>
             <a:r>
               <a:rPr lang="de-CH" dirty="0"/>
-              <a:t> </a:t>
-            </a:r>
-            <a:r>
-              <a:rPr lang="de-CH" dirty="0" err="1"/>
-              <a:t>choose</a:t>
-            </a:r>
-            <a:r>
-              <a:rPr lang="de-CH" dirty="0"/>
-              <a:t> Alpine Linux?</a:t>
-            </a:r>
-          </a:p>
-          <a:p>
-            <a:pPr lvl="1"/>
-            <a:r>
-              <a:rPr lang="de-CH" dirty="0"/>
-              <a:t>Linux but not GNU =&gt; Manual Implementation</a:t>
+              <a:t>Not GNU =&gt; Manual </a:t>
+            </a:r>
+            <a:r>
+              <a:rPr lang="en-US" dirty="0"/>
+              <a:t>Implementation</a:t>
             </a:r>
           </a:p>
           <a:p>
@@ -13062,10 +13090,9 @@
           <a:lstStyle/>
           <a:p>
             <a:r>
-              <a:rPr lang="de-CH" dirty="0" err="1"/>
+              <a:rPr lang="en-US" dirty="0"/>
               <a:t>Difficulties</a:t>
             </a:r>
-            <a:endParaRPr lang="de-CH" dirty="0"/>
           </a:p>
         </p:txBody>
       </p:sp>
@@ -13113,7 +13140,7 @@
             </a:r>
             <a:r>
               <a:rPr lang="de-CH" dirty="0" err="1"/>
-              <a:t>structures</a:t>
+              <a:t>Structures</a:t>
             </a:r>
             <a:endParaRPr lang="de-CH" dirty="0"/>
           </a:p>
@@ -13121,21 +13148,8 @@
             <a:pPr lvl="1"/>
             <a:r>
               <a:rPr lang="de-CH" dirty="0"/>
-              <a:t>Memory </a:t>
-            </a:r>
-            <a:r>
-              <a:rPr lang="de-CH" dirty="0" err="1"/>
-              <a:t>leaks</a:t>
-            </a:r>
-            <a:r>
-              <a:rPr lang="de-CH" dirty="0"/>
-              <a:t>, </a:t>
-            </a:r>
-            <a:r>
-              <a:rPr lang="de-CH" dirty="0" err="1"/>
-              <a:t>segfaults</a:t>
-            </a:r>
-            <a:endParaRPr lang="de-CH" dirty="0"/>
+              <a:t>Memory Leaks, Segmentation Faults</a:t>
+            </a:r>
           </a:p>
           <a:p>
             <a:r>
@@ -13243,7 +13257,7 @@
           <a:bodyPr/>
           <a:lstStyle/>
           <a:p>
-            <a:endParaRPr lang="de-CH"/>
+            <a:endParaRPr lang="de-CH" dirty="0"/>
           </a:p>
         </p:txBody>
       </p:sp>

--- a/Custom_Shell_Elia_Matthew.pptx
+++ b/Custom_Shell_Elia_Matthew.pptx
@@ -10,8 +10,9 @@
     <p:sldId id="262" r:id="rId4"/>
     <p:sldId id="261" r:id="rId5"/>
     <p:sldId id="258" r:id="rId6"/>
-    <p:sldId id="259" r:id="rId7"/>
-    <p:sldId id="260" r:id="rId8"/>
+    <p:sldId id="263" r:id="rId7"/>
+    <p:sldId id="259" r:id="rId8"/>
+    <p:sldId id="260" r:id="rId9"/>
   </p:sldIdLst>
   <p:sldSz cx="12192000" cy="6858000"/>
   <p:notesSz cx="6858000" cy="9144000"/>
@@ -13073,6 +13074,96 @@
           <p:cNvPr id="2" name="Title 1">
             <a:extLst>
               <a:ext uri="{FF2B5EF4-FFF2-40B4-BE49-F238E27FC236}">
+                <a16:creationId xmlns:a16="http://schemas.microsoft.com/office/drawing/2014/main" id="{CCE2154D-2F49-4E51-8EF2-9A217C3961E9}"/>
+              </a:ext>
+            </a:extLst>
+          </p:cNvPr>
+          <p:cNvSpPr>
+            <a:spLocks noGrp="1"/>
+          </p:cNvSpPr>
+          <p:nvPr>
+            <p:ph type="title"/>
+          </p:nvPr>
+        </p:nvSpPr>
+        <p:spPr/>
+        <p:txBody>
+          <a:bodyPr/>
+          <a:lstStyle/>
+          <a:p>
+            <a:endParaRPr lang="de-CH" dirty="0"/>
+          </a:p>
+        </p:txBody>
+      </p:sp>
+      <p:pic>
+        <p:nvPicPr>
+          <p:cNvPr id="5" name="Content Placeholder 4" descr="Graphical user interface, application&#10;&#10;Description automatically generated">
+            <a:extLst>
+              <a:ext uri="{FF2B5EF4-FFF2-40B4-BE49-F238E27FC236}">
+                <a16:creationId xmlns:a16="http://schemas.microsoft.com/office/drawing/2014/main" id="{0400CB88-5BAF-419B-9504-B8B7FA7578CA}"/>
+              </a:ext>
+            </a:extLst>
+          </p:cNvPr>
+          <p:cNvPicPr>
+            <a:picLocks noGrp="1" noChangeAspect="1"/>
+          </p:cNvPicPr>
+          <p:nvPr>
+            <p:ph idx="1"/>
+          </p:nvPr>
+        </p:nvPicPr>
+        <p:blipFill>
+          <a:blip r:embed="rId2">
+            <a:extLst>
+              <a:ext uri="{28A0092B-C50C-407E-A947-70E740481C1C}">
+                <a14:useLocalDpi xmlns:a14="http://schemas.microsoft.com/office/drawing/2010/main" val="0"/>
+              </a:ext>
+            </a:extLst>
+          </a:blip>
+          <a:stretch>
+            <a:fillRect/>
+          </a:stretch>
+        </p:blipFill>
+        <p:spPr>
+          <a:xfrm>
+            <a:off x="1141413" y="85725"/>
+            <a:ext cx="9294865" cy="6924675"/>
+          </a:xfrm>
+        </p:spPr>
+      </p:pic>
+    </p:spTree>
+    <p:extLst>
+      <p:ext uri="{BB962C8B-B14F-4D97-AF65-F5344CB8AC3E}">
+        <p14:creationId xmlns:p14="http://schemas.microsoft.com/office/powerpoint/2010/main" val="1584229580"/>
+      </p:ext>
+    </p:extLst>
+  </p:cSld>
+  <p:clrMapOvr>
+    <a:masterClrMapping/>
+  </p:clrMapOvr>
+</p:sld>
+</file>
+
+<file path=ppt/slides/slide7.xml><?xml version="1.0" encoding="utf-8"?>
+<p:sld xmlns:a="http://schemas.openxmlformats.org/drawingml/2006/main" xmlns:r="http://schemas.openxmlformats.org/officeDocument/2006/relationships" xmlns:p="http://schemas.openxmlformats.org/presentationml/2006/main">
+  <p:cSld>
+    <p:spTree>
+      <p:nvGrpSpPr>
+        <p:cNvPr id="1" name=""/>
+        <p:cNvGrpSpPr/>
+        <p:nvPr/>
+      </p:nvGrpSpPr>
+      <p:grpSpPr>
+        <a:xfrm>
+          <a:off x="0" y="0"/>
+          <a:ext cx="0" cy="0"/>
+          <a:chOff x="0" y="0"/>
+          <a:chExt cx="0" cy="0"/>
+        </a:xfrm>
+      </p:grpSpPr>
+      <p:sp>
+        <p:nvSpPr>
+          <p:cNvPr id="2" name="Title 1">
+            <a:extLst>
+              <a:ext uri="{FF2B5EF4-FFF2-40B4-BE49-F238E27FC236}">
                 <a16:creationId xmlns:a16="http://schemas.microsoft.com/office/drawing/2014/main" id="{763CBBF0-AF26-44C9-B3AA-ADC7A7DCF9A6}"/>
               </a:ext>
             </a:extLst>
@@ -13191,7 +13282,7 @@
 </p:sld>
 </file>
 
-<file path=ppt/slides/slide7.xml><?xml version="1.0" encoding="utf-8"?>
+<file path=ppt/slides/slide8.xml><?xml version="1.0" encoding="utf-8"?>
 <p:sld xmlns:a="http://schemas.openxmlformats.org/drawingml/2006/main" xmlns:r="http://schemas.openxmlformats.org/officeDocument/2006/relationships" xmlns:p="http://schemas.openxmlformats.org/presentationml/2006/main">
   <p:cSld>
     <p:spTree>
